--- a/SoundofCyber.pptx
+++ b/SoundofCyber.pptx
@@ -265,7 +265,7 @@
           <a:p>
             <a:fld id="{0CE47523-D18F-4392-B38F-4C5815C8354F}" type="datetimeFigureOut">
               <a:rPr lang="en-GB" smtClean="0"/>
-              <a:t>05/09/2020</a:t>
+              <a:t>06/09/2020</a:t>
             </a:fld>
             <a:endParaRPr lang="en-GB"/>
           </a:p>
@@ -465,7 +465,7 @@
           <a:p>
             <a:fld id="{0CE47523-D18F-4392-B38F-4C5815C8354F}" type="datetimeFigureOut">
               <a:rPr lang="en-GB" smtClean="0"/>
-              <a:t>05/09/2020</a:t>
+              <a:t>06/09/2020</a:t>
             </a:fld>
             <a:endParaRPr lang="en-GB"/>
           </a:p>
@@ -675,7 +675,7 @@
           <a:p>
             <a:fld id="{0CE47523-D18F-4392-B38F-4C5815C8354F}" type="datetimeFigureOut">
               <a:rPr lang="en-GB" smtClean="0"/>
-              <a:t>05/09/2020</a:t>
+              <a:t>06/09/2020</a:t>
             </a:fld>
             <a:endParaRPr lang="en-GB"/>
           </a:p>
@@ -875,7 +875,7 @@
           <a:p>
             <a:fld id="{0CE47523-D18F-4392-B38F-4C5815C8354F}" type="datetimeFigureOut">
               <a:rPr lang="en-GB" smtClean="0"/>
-              <a:t>05/09/2020</a:t>
+              <a:t>06/09/2020</a:t>
             </a:fld>
             <a:endParaRPr lang="en-GB"/>
           </a:p>
@@ -1151,7 +1151,7 @@
           <a:p>
             <a:fld id="{0CE47523-D18F-4392-B38F-4C5815C8354F}" type="datetimeFigureOut">
               <a:rPr lang="en-GB" smtClean="0"/>
-              <a:t>05/09/2020</a:t>
+              <a:t>06/09/2020</a:t>
             </a:fld>
             <a:endParaRPr lang="en-GB"/>
           </a:p>
@@ -1419,7 +1419,7 @@
           <a:p>
             <a:fld id="{0CE47523-D18F-4392-B38F-4C5815C8354F}" type="datetimeFigureOut">
               <a:rPr lang="en-GB" smtClean="0"/>
-              <a:t>05/09/2020</a:t>
+              <a:t>06/09/2020</a:t>
             </a:fld>
             <a:endParaRPr lang="en-GB"/>
           </a:p>
@@ -1834,7 +1834,7 @@
           <a:p>
             <a:fld id="{0CE47523-D18F-4392-B38F-4C5815C8354F}" type="datetimeFigureOut">
               <a:rPr lang="en-GB" smtClean="0"/>
-              <a:t>05/09/2020</a:t>
+              <a:t>06/09/2020</a:t>
             </a:fld>
             <a:endParaRPr lang="en-GB"/>
           </a:p>
@@ -1976,7 +1976,7 @@
           <a:p>
             <a:fld id="{0CE47523-D18F-4392-B38F-4C5815C8354F}" type="datetimeFigureOut">
               <a:rPr lang="en-GB" smtClean="0"/>
-              <a:t>05/09/2020</a:t>
+              <a:t>06/09/2020</a:t>
             </a:fld>
             <a:endParaRPr lang="en-GB"/>
           </a:p>
@@ -2089,7 +2089,7 @@
           <a:p>
             <a:fld id="{0CE47523-D18F-4392-B38F-4C5815C8354F}" type="datetimeFigureOut">
               <a:rPr lang="en-GB" smtClean="0"/>
-              <a:t>05/09/2020</a:t>
+              <a:t>06/09/2020</a:t>
             </a:fld>
             <a:endParaRPr lang="en-GB"/>
           </a:p>
@@ -2402,7 +2402,7 @@
           <a:p>
             <a:fld id="{0CE47523-D18F-4392-B38F-4C5815C8354F}" type="datetimeFigureOut">
               <a:rPr lang="en-GB" smtClean="0"/>
-              <a:t>05/09/2020</a:t>
+              <a:t>06/09/2020</a:t>
             </a:fld>
             <a:endParaRPr lang="en-GB"/>
           </a:p>
@@ -2691,7 +2691,7 @@
           <a:p>
             <a:fld id="{0CE47523-D18F-4392-B38F-4C5815C8354F}" type="datetimeFigureOut">
               <a:rPr lang="en-GB" smtClean="0"/>
-              <a:t>05/09/2020</a:t>
+              <a:t>06/09/2020</a:t>
             </a:fld>
             <a:endParaRPr lang="en-GB"/>
           </a:p>
@@ -2934,7 +2934,7 @@
           <a:p>
             <a:fld id="{0CE47523-D18F-4392-B38F-4C5815C8354F}" type="datetimeFigureOut">
               <a:rPr lang="en-GB" smtClean="0"/>
-              <a:t>05/09/2020</a:t>
+              <a:t>06/09/2020</a:t>
             </a:fld>
             <a:endParaRPr lang="en-GB"/>
           </a:p>
@@ -3351,62 +3351,12 @@
           <a:chExt cx="0" cy="0"/>
         </a:xfrm>
       </p:grpSpPr>
-      <p:sp>
-        <p:nvSpPr>
-          <p:cNvPr id="4" name="Title 3">
-            <a:extLst>
-              <a:ext uri="{FF2B5EF4-FFF2-40B4-BE49-F238E27FC236}">
-                <a16:creationId xmlns:a16="http://schemas.microsoft.com/office/drawing/2014/main" id="{2C4F371D-A8C6-478E-9AC5-93CCF328240A}"/>
-              </a:ext>
-            </a:extLst>
-          </p:cNvPr>
-          <p:cNvSpPr>
-            <a:spLocks noGrp="1"/>
-          </p:cNvSpPr>
-          <p:nvPr>
-            <p:ph type="ctrTitle"/>
-          </p:nvPr>
-        </p:nvSpPr>
-        <p:spPr/>
-        <p:txBody>
-          <a:bodyPr/>
-          <a:lstStyle/>
-          <a:p>
-            <a:endParaRPr lang="en-GB"/>
-          </a:p>
-        </p:txBody>
-      </p:sp>
-      <p:sp>
-        <p:nvSpPr>
-          <p:cNvPr id="5" name="Subtitle 4">
-            <a:extLst>
-              <a:ext uri="{FF2B5EF4-FFF2-40B4-BE49-F238E27FC236}">
-                <a16:creationId xmlns:a16="http://schemas.microsoft.com/office/drawing/2014/main" id="{7739DE4E-D201-4B9F-A65B-B46D4AA8083B}"/>
-              </a:ext>
-            </a:extLst>
-          </p:cNvPr>
-          <p:cNvSpPr>
-            <a:spLocks noGrp="1"/>
-          </p:cNvSpPr>
-          <p:nvPr>
-            <p:ph type="subTitle" idx="1"/>
-          </p:nvPr>
-        </p:nvSpPr>
-        <p:spPr/>
-        <p:txBody>
-          <a:bodyPr/>
-          <a:lstStyle/>
-          <a:p>
-            <a:endParaRPr lang="en-GB"/>
-          </a:p>
-        </p:txBody>
-      </p:sp>
       <p:pic>
         <p:nvPicPr>
-          <p:cNvPr id="7" name="Picture 6" descr="A close up of a logo&#10;&#10;Description automatically generated">
-            <a:extLst>
-              <a:ext uri="{FF2B5EF4-FFF2-40B4-BE49-F238E27FC236}">
-                <a16:creationId xmlns:a16="http://schemas.microsoft.com/office/drawing/2014/main" id="{56314C4D-5FD3-4067-B2CE-9A8E4558ADD8}"/>
+          <p:cNvPr id="3" name="Grafik 2">
+            <a:extLst>
+              <a:ext uri="{FF2B5EF4-FFF2-40B4-BE49-F238E27FC236}">
+                <a16:creationId xmlns:a16="http://schemas.microsoft.com/office/drawing/2014/main" id="{F7DCDBC4-8C71-4F8A-8475-E271F1C8266B}"/>
               </a:ext>
             </a:extLst>
           </p:cNvPr>
@@ -3421,6 +3371,9 @@
               <a:ext uri="{28A0092B-C50C-407E-A947-70E740481C1C}">
                 <a14:useLocalDpi xmlns:a14="http://schemas.microsoft.com/office/drawing/2010/main" val="0"/>
               </a:ext>
+              <a:ext uri="{96DAC541-7B7A-43D3-8B79-37D633B846F1}">
+                <asvg:svgBlip xmlns:asvg="http://schemas.microsoft.com/office/drawing/2016/SVG/main" r:embed="rId3"/>
+              </a:ext>
             </a:extLst>
           </a:blip>
           <a:stretch>
@@ -3429,8 +3382,8 @@
         </p:blipFill>
         <p:spPr>
           <a:xfrm>
-            <a:off x="0" y="661737"/>
-            <a:ext cx="12195841" cy="5534526"/>
+            <a:off x="134683" y="525262"/>
+            <a:ext cx="11922633" cy="5807476"/>
           </a:xfrm>
           <a:prstGeom prst="rect">
             <a:avLst/>
